--- a/group-project/step3/step3.pptx
+++ b/group-project/step3/step3.pptx
@@ -113,6 +113,11 @@
       </a:defRPr>
     </a:lvl9pPr>
   </p:defaultTextStyle>
+  <p:extLst>
+    <p:ext uri="{EFAFB233-063F-42B5-8137-9DF3F51BA10A}">
+      <p15:sldGuideLst xmlns:p15="http://schemas.microsoft.com/office/powerpoint/2012/main"/>
+    </p:ext>
+  </p:extLst>
 </p:presentation>
 </file>
 
@@ -263,7 +268,7 @@
           <a:p>
             <a:fld id="{123C243C-DCEC-4B39-A0B3-C5124920316A}" type="datetimeFigureOut">
               <a:rPr lang="ru-RU" smtClean="0"/>
-              <a:t>04.11.2022</a:t>
+              <a:t>07.11.2022</a:t>
             </a:fld>
             <a:endParaRPr lang="ru-RU"/>
           </a:p>
@@ -461,7 +466,7 @@
           <a:p>
             <a:fld id="{123C243C-DCEC-4B39-A0B3-C5124920316A}" type="datetimeFigureOut">
               <a:rPr lang="ru-RU" smtClean="0"/>
-              <a:t>04.11.2022</a:t>
+              <a:t>07.11.2022</a:t>
             </a:fld>
             <a:endParaRPr lang="ru-RU"/>
           </a:p>
@@ -669,7 +674,7 @@
           <a:p>
             <a:fld id="{123C243C-DCEC-4B39-A0B3-C5124920316A}" type="datetimeFigureOut">
               <a:rPr lang="ru-RU" smtClean="0"/>
-              <a:t>04.11.2022</a:t>
+              <a:t>07.11.2022</a:t>
             </a:fld>
             <a:endParaRPr lang="ru-RU"/>
           </a:p>
@@ -867,7 +872,7 @@
           <a:p>
             <a:fld id="{123C243C-DCEC-4B39-A0B3-C5124920316A}" type="datetimeFigureOut">
               <a:rPr lang="ru-RU" smtClean="0"/>
-              <a:t>04.11.2022</a:t>
+              <a:t>07.11.2022</a:t>
             </a:fld>
             <a:endParaRPr lang="ru-RU"/>
           </a:p>
@@ -1142,7 +1147,7 @@
           <a:p>
             <a:fld id="{123C243C-DCEC-4B39-A0B3-C5124920316A}" type="datetimeFigureOut">
               <a:rPr lang="ru-RU" smtClean="0"/>
-              <a:t>04.11.2022</a:t>
+              <a:t>07.11.2022</a:t>
             </a:fld>
             <a:endParaRPr lang="ru-RU"/>
           </a:p>
@@ -1407,7 +1412,7 @@
           <a:p>
             <a:fld id="{123C243C-DCEC-4B39-A0B3-C5124920316A}" type="datetimeFigureOut">
               <a:rPr lang="ru-RU" smtClean="0"/>
-              <a:t>04.11.2022</a:t>
+              <a:t>07.11.2022</a:t>
             </a:fld>
             <a:endParaRPr lang="ru-RU"/>
           </a:p>
@@ -1819,7 +1824,7 @@
           <a:p>
             <a:fld id="{123C243C-DCEC-4B39-A0B3-C5124920316A}" type="datetimeFigureOut">
               <a:rPr lang="ru-RU" smtClean="0"/>
-              <a:t>04.11.2022</a:t>
+              <a:t>07.11.2022</a:t>
             </a:fld>
             <a:endParaRPr lang="ru-RU"/>
           </a:p>
@@ -1960,7 +1965,7 @@
           <a:p>
             <a:fld id="{123C243C-DCEC-4B39-A0B3-C5124920316A}" type="datetimeFigureOut">
               <a:rPr lang="ru-RU" smtClean="0"/>
-              <a:t>04.11.2022</a:t>
+              <a:t>07.11.2022</a:t>
             </a:fld>
             <a:endParaRPr lang="ru-RU"/>
           </a:p>
@@ -2073,7 +2078,7 @@
           <a:p>
             <a:fld id="{123C243C-DCEC-4B39-A0B3-C5124920316A}" type="datetimeFigureOut">
               <a:rPr lang="ru-RU" smtClean="0"/>
-              <a:t>04.11.2022</a:t>
+              <a:t>07.11.2022</a:t>
             </a:fld>
             <a:endParaRPr lang="ru-RU"/>
           </a:p>
@@ -2384,7 +2389,7 @@
           <a:p>
             <a:fld id="{123C243C-DCEC-4B39-A0B3-C5124920316A}" type="datetimeFigureOut">
               <a:rPr lang="ru-RU" smtClean="0"/>
-              <a:t>04.11.2022</a:t>
+              <a:t>07.11.2022</a:t>
             </a:fld>
             <a:endParaRPr lang="ru-RU"/>
           </a:p>
@@ -2672,7 +2677,7 @@
           <a:p>
             <a:fld id="{123C243C-DCEC-4B39-A0B3-C5124920316A}" type="datetimeFigureOut">
               <a:rPr lang="ru-RU" smtClean="0"/>
-              <a:t>04.11.2022</a:t>
+              <a:t>07.11.2022</a:t>
             </a:fld>
             <a:endParaRPr lang="ru-RU"/>
           </a:p>
@@ -2913,7 +2918,7 @@
           <a:p>
             <a:fld id="{123C243C-DCEC-4B39-A0B3-C5124920316A}" type="datetimeFigureOut">
               <a:rPr lang="ru-RU" smtClean="0"/>
-              <a:t>04.11.2022</a:t>
+              <a:t>07.11.2022</a:t>
             </a:fld>
             <a:endParaRPr lang="ru-RU"/>
           </a:p>
@@ -4693,7 +4698,7 @@
       </p:sp>
       <p:pic>
         <p:nvPicPr>
-          <p:cNvPr id="6" name="Объект 5" descr="Изображение выглядит как текст&#10;&#10;Автоматически созданное описание">
+          <p:cNvPr id="6" name="Объект 5">
             <a:extLst>
               <a:ext uri="{FF2B5EF4-FFF2-40B4-BE49-F238E27FC236}">
                 <a16:creationId xmlns:a16="http://schemas.microsoft.com/office/drawing/2014/main" id="{831BB088-3E97-43B3-B6FC-F9F45D361583}"/>
@@ -4715,19 +4720,18 @@
               </a:ext>
             </a:extLst>
           </a:blip>
-          <a:stretch>
-            <a:fillRect/>
-          </a:stretch>
+          <a:srcRect/>
+          <a:stretch/>
         </p:blipFill>
         <p:spPr>
           <a:xfrm>
-            <a:off x="242181" y="3429000"/>
-            <a:ext cx="11397309" cy="2995447"/>
+            <a:off x="242181" y="3503197"/>
+            <a:ext cx="11397309" cy="2847053"/>
           </a:xfrm>
         </p:spPr>
       </p:pic>
-      <mc:AlternateContent xmlns:mc="http://schemas.openxmlformats.org/markup-compatibility/2006">
-        <mc:Choice xmlns:a14="http://schemas.microsoft.com/office/drawing/2010/main" Requires="a14">
+      <mc:AlternateContent xmlns:mc="http://schemas.openxmlformats.org/markup-compatibility/2006" xmlns:a14="http://schemas.microsoft.com/office/drawing/2010/main">
+        <mc:Choice Requires="a14">
           <p:sp>
             <p:nvSpPr>
               <p:cNvPr id="9" name="TextBox 8">
@@ -5657,7 +5661,7 @@
             </p:txBody>
           </p:sp>
         </mc:Choice>
-        <mc:Fallback>
+        <mc:Fallback xmlns="">
           <p:sp>
             <p:nvSpPr>
               <p:cNvPr id="9" name="TextBox 8">
@@ -5702,8 +5706,8 @@
           </p:sp>
         </mc:Fallback>
       </mc:AlternateContent>
-      <mc:AlternateContent xmlns:mc="http://schemas.openxmlformats.org/markup-compatibility/2006">
-        <mc:Choice xmlns:a14="http://schemas.microsoft.com/office/drawing/2010/main" Requires="a14">
+      <mc:AlternateContent xmlns:mc="http://schemas.openxmlformats.org/markup-compatibility/2006" xmlns:a14="http://schemas.microsoft.com/office/drawing/2010/main">
+        <mc:Choice Requires="a14">
           <p:sp>
             <p:nvSpPr>
               <p:cNvPr id="11" name="TextBox 10">
@@ -5932,7 +5936,7 @@
             </p:txBody>
           </p:sp>
         </mc:Choice>
-        <mc:Fallback>
+        <mc:Fallback xmlns="">
           <p:sp>
             <p:nvSpPr>
               <p:cNvPr id="11" name="TextBox 10">
@@ -5977,8 +5981,8 @@
           </p:sp>
         </mc:Fallback>
       </mc:AlternateContent>
-      <mc:AlternateContent xmlns:mc="http://schemas.openxmlformats.org/markup-compatibility/2006">
-        <mc:Choice xmlns:a14="http://schemas.microsoft.com/office/drawing/2010/main" Requires="a14">
+      <mc:AlternateContent xmlns:mc="http://schemas.openxmlformats.org/markup-compatibility/2006" xmlns:a14="http://schemas.microsoft.com/office/drawing/2010/main">
+        <mc:Choice Requires="a14">
           <p:sp>
             <p:nvSpPr>
               <p:cNvPr id="13" name="TextBox 12">
@@ -6634,24 +6638,7 @@
                         <a:ea typeface="Calibri" panose="020F0502020204030204" pitchFamily="34" charset="0"/>
                         <a:cs typeface="Times New Roman" panose="02020603050405020304" pitchFamily="18" charset="0"/>
                       </a:rPr>
-                      <m:t>  или   </m:t>
-                    </m:r>
-                    <m:r>
-                      <a:rPr kumimoji="0" lang="ru-RU" sz="1800" b="0" i="1" u="none" strike="noStrike" kern="1200" cap="none" spc="0" normalizeH="0" baseline="0" noProof="0" smtClean="0">
-                        <a:ln>
-                          <a:noFill/>
-                        </a:ln>
-                        <a:solidFill>
-                          <a:srgbClr val="000000"/>
-                        </a:solidFill>
-                        <a:effectLst/>
-                        <a:uLnTx/>
-                        <a:uFillTx/>
-                        <a:latin typeface="Cambria Math" panose="02040503050406030204" pitchFamily="18" charset="0"/>
-                        <a:ea typeface="Calibri" panose="020F0502020204030204" pitchFamily="34" charset="0"/>
-                        <a:cs typeface="Times New Roman" panose="02020603050405020304" pitchFamily="18" charset="0"/>
-                      </a:rPr>
-                      <m:t>2) </m:t>
+                      <m:t>  или   2) </m:t>
                     </m:r>
                     <m:d>
                       <m:dPr>
@@ -7019,7 +7006,7 @@
             </p:txBody>
           </p:sp>
         </mc:Choice>
-        <mc:Fallback>
+        <mc:Fallback xmlns="">
           <p:sp>
             <p:nvSpPr>
               <p:cNvPr id="13" name="TextBox 12">
@@ -7171,14 +7158,13 @@
               </a:ext>
             </a:extLst>
           </a:blip>
-          <a:stretch>
-            <a:fillRect/>
-          </a:stretch>
+          <a:srcRect/>
+          <a:stretch/>
         </p:blipFill>
         <p:spPr>
           <a:xfrm>
-            <a:off x="669524" y="941033"/>
-            <a:ext cx="11032200" cy="5622863"/>
+            <a:off x="669524" y="956815"/>
+            <a:ext cx="11032200" cy="5591298"/>
           </a:xfrm>
         </p:spPr>
       </p:pic>
@@ -7210,7 +7196,7 @@
         </p:blipFill>
         <p:spPr>
           <a:xfrm>
-            <a:off x="914400" y="4623435"/>
+            <a:off x="940802" y="5671000"/>
             <a:ext cx="766445" cy="766445"/>
           </a:xfrm>
           <a:prstGeom prst="rect">
@@ -7246,7 +7232,7 @@
         </p:blipFill>
         <p:spPr>
           <a:xfrm flipH="1">
-            <a:off x="597838" y="2950764"/>
+            <a:off x="4952643" y="5611217"/>
             <a:ext cx="1452375" cy="579935"/>
           </a:xfrm>
           <a:prstGeom prst="rect">
@@ -7285,14 +7271,14 @@
                             </p:stCondLst>
                             <p:childTnLst>
                               <p:par>
-                                <p:cTn id="5" presetID="42" presetClass="path" presetSubtype="0" accel="50000" decel="50000" fill="hold" nodeType="clickEffect">
+                                <p:cTn id="5" presetID="42" presetClass="path" presetSubtype="0" fill="hold" nodeType="clickEffect">
                                   <p:stCondLst>
                                     <p:cond delay="0"/>
                                   </p:stCondLst>
                                   <p:childTnLst>
-                                    <p:animMotion origin="layout" path="M -2.08333E-7 -1.11111E-6 L 0.65378 0.00023 " pathEditMode="relative" rAng="0" ptsTypes="AA">
+                                    <p:animMotion origin="layout" path="M -3.75E-6 1.11111E-6 L 0.53373 -0.34653 " pathEditMode="relative" rAng="0" ptsTypes="AA">
                                       <p:cBhvr>
-                                        <p:cTn id="6" dur="5000" fill="hold"/>
+                                        <p:cTn id="6" dur="3000" fill="hold"/>
                                         <p:tgtEl>
                                           <p:spTgt spid="7"/>
                                         </p:tgtEl>
@@ -7301,20 +7287,20 @@
                                           <p:attrName>ppt_y</p:attrName>
                                         </p:attrNameLst>
                                       </p:cBhvr>
-                                      <p:rCtr x="32682" y="0"/>
+                                      <p:rCtr x="26680" y="-17338"/>
                                     </p:animMotion>
                                   </p:childTnLst>
                                 </p:cTn>
                               </p:par>
                               <p:par>
-                                <p:cTn id="7" presetID="42" presetClass="path" presetSubtype="0" accel="50000" decel="50000" fill="hold" nodeType="withEffect">
+                                <p:cTn id="7" presetID="42" presetClass="path" presetSubtype="0" accel="50000" fill="hold" nodeType="withEffect">
                                   <p:stCondLst>
                                     <p:cond delay="0"/>
                                   </p:stCondLst>
                                   <p:childTnLst>
-                                    <p:animMotion origin="layout" path="M -3.75E-6 -3.7037E-6 L -0.00442 -0.21342 " pathEditMode="relative" rAng="0" ptsTypes="AA">
+                                    <p:animMotion origin="layout" path="M 4.79167E-6 3.33333E-6 L 0.2996 3.33333E-6 " pathEditMode="relative" rAng="0" ptsTypes="AA">
                                       <p:cBhvr>
-                                        <p:cTn id="8" dur="1200" fill="hold"/>
+                                        <p:cTn id="8" dur="1800" fill="hold"/>
                                         <p:tgtEl>
                                           <p:spTgt spid="9"/>
                                         </p:tgtEl>
@@ -7323,7 +7309,7 @@
                                           <p:attrName>ppt_y</p:attrName>
                                         </p:attrNameLst>
                                       </p:cBhvr>
-                                      <p:rCtr x="-221" y="-10671"/>
+                                      <p:rCtr x="14974" y="0"/>
                                     </p:animMotion>
                                   </p:childTnLst>
                                 </p:cTn>
@@ -7331,12 +7317,12 @@
                               <p:par>
                                 <p:cTn id="9" presetID="37" presetClass="path" presetSubtype="0" accel="50000" decel="50000" fill="hold" nodeType="withEffect">
                                   <p:stCondLst>
-                                    <p:cond delay="1200"/>
+                                    <p:cond delay="1800"/>
                                   </p:stCondLst>
                                   <p:childTnLst>
-                                    <p:animMotion origin="layout" path="M -0.00442 -0.21342 C 0.04336 -0.20185 0.16459 -0.1831 0.24519 -0.15694 C 0.32579 -0.13101 0.41433 -0.09814 0.47904 -0.05879 C 0.54375 -0.01967 0.5823 0.03681 0.63347 0.07848 C 0.67032 0.20811 0.66081 0.15649 0.65834 0.24954 " pathEditMode="relative" rAng="0" ptsTypes="AAAAA">
+                                    <p:animMotion origin="layout" path="M 0.29934 -0.00023 C 0.28997 -0.00857 0.31575 -0.03195 0.31015 -0.07477 C 0.30612 -0.11111 0.30117 -0.12963 0.28945 -0.15949 C 0.27721 -0.18797 0.27122 -0.20486 0.25286 -0.23241 C 0.22591 -0.29398 0.20833 -0.28565 0.17968 -0.33982 " pathEditMode="relative" rAng="11280000" ptsTypes="AAAAA">
                                       <p:cBhvr>
-                                        <p:cTn id="10" dur="3800" fill="hold"/>
+                                        <p:cTn id="10" dur="1200" fill="hold"/>
                                         <p:tgtEl>
                                           <p:spTgt spid="9"/>
                                         </p:tgtEl>
@@ -7345,7 +7331,7 @@
                                           <p:attrName>ppt_y</p:attrName>
                                         </p:attrNameLst>
                                       </p:cBhvr>
-                                      <p:rCtr x="33281" y="23148"/>
+                                      <p:rCtr x="-5638" y="-16875"/>
                                     </p:animMotion>
                                   </p:childTnLst>
                                 </p:cTn>
@@ -7480,8 +7466,8 @@
         </p:blipFill>
         <p:spPr>
           <a:xfrm>
-            <a:off x="733549" y="941033"/>
-            <a:ext cx="10904149" cy="5622863"/>
+            <a:off x="733549" y="998008"/>
+            <a:ext cx="10904149" cy="5508912"/>
           </a:xfrm>
         </p:spPr>
       </p:pic>
@@ -7706,7 +7692,7 @@
                             </p:stCondLst>
                             <p:childTnLst>
                               <p:par>
-                                <p:cTn id="5" presetID="42" presetClass="path" presetSubtype="0" accel="50000" decel="50000" fill="hold" nodeType="clickEffect">
+                                <p:cTn id="5" presetID="42" presetClass="path" presetSubtype="0" fill="hold" nodeType="clickEffect">
                                   <p:stCondLst>
                                     <p:cond delay="0"/>
                                   </p:stCondLst>
@@ -7735,7 +7721,7 @@
                                   <p:childTnLst>
                                     <p:animMotion origin="layout" path="M 3.54167E-6 -3.33333E-6 L -0.20743 -3.33333E-6 " pathEditMode="relative" rAng="0" ptsTypes="AA">
                                       <p:cBhvr>
-                                        <p:cTn id="8" dur="1100" fill="hold"/>
+                                        <p:cTn id="8" dur="1600" fill="hold"/>
                                         <p:tgtEl>
                                           <p:spTgt spid="9"/>
                                         </p:tgtEl>
@@ -7752,12 +7738,12 @@
                               <p:par>
                                 <p:cTn id="9" presetID="37" presetClass="path" presetSubtype="0" accel="50000" decel="50000" fill="hold" nodeType="withEffect">
                                   <p:stCondLst>
-                                    <p:cond delay="1100"/>
+                                    <p:cond delay="1600"/>
                                   </p:stCondLst>
                                   <p:childTnLst>
                                     <p:animMotion origin="layout" path="M -0.20742 -2.96296E-6 C -0.19713 0.14699 -0.1888 0.23449 -0.14479 0.37523 C -0.10338 0.4338 0.02513 0.60648 0.1194 0.64653 C 0.21302 0.68635 0.37669 0.67361 0.41862 0.61528 C 0.50925 0.56065 0.47578 0.60625 0.54388 0.51922 " pathEditMode="relative" rAng="0" ptsTypes="AAAAA">
                                       <p:cBhvr>
-                                        <p:cTn id="10" dur="3700" fill="hold"/>
+                                        <p:cTn id="10" dur="3400" fill="hold"/>
                                         <p:tgtEl>
                                           <p:spTgt spid="9"/>
                                         </p:tgtEl>
